--- a/presentation/Group J.pptx
+++ b/presentation/Group J.pptx
@@ -14211,9 +14211,13 @@
           <a:p>
             <a:r>
               <a:rPr lang="en-US" dirty="0"/>
-              <a:t>Metric 4 vs Metric 1</a:t>
-            </a:r>
-            <a:endParaRPr lang="en-CA" dirty="0"/>
+              <a:t>Metric 4 vs Metric 1 </a:t>
+            </a:r>
+            <a:r>
+              <a:rPr lang="en-US" sz="2400" dirty="0"/>
+              <a:t>(Correlation : 0.7399)</a:t>
+            </a:r>
+            <a:endParaRPr lang="en-CA" sz="2400" dirty="0"/>
           </a:p>
         </p:txBody>
       </p:sp>
@@ -14300,9 +14304,13 @@
           <a:p>
             <a:r>
               <a:rPr lang="en-US" dirty="0"/>
-              <a:t>Metric 4 vs Metric 2</a:t>
-            </a:r>
-            <a:endParaRPr lang="en-CA" dirty="0"/>
+              <a:t>Metric 4 vs Metric 2 </a:t>
+            </a:r>
+            <a:r>
+              <a:rPr lang="en-US" sz="2400" dirty="0"/>
+              <a:t>(Correlation : 0.8468)</a:t>
+            </a:r>
+            <a:endParaRPr lang="en-CA" sz="2400" dirty="0"/>
           </a:p>
         </p:txBody>
       </p:sp>
@@ -14389,9 +14397,13 @@
           <a:p>
             <a:r>
               <a:rPr lang="en-US" dirty="0"/>
-              <a:t>Metric 3 vs Metric 1</a:t>
-            </a:r>
-            <a:endParaRPr lang="en-CA" dirty="0"/>
+              <a:t>Metric 3 vs Metric 1 </a:t>
+            </a:r>
+            <a:r>
+              <a:rPr lang="en-US" sz="2400" dirty="0"/>
+              <a:t>(Correlation : 0.9985)</a:t>
+            </a:r>
+            <a:endParaRPr lang="en-CA" sz="2400" dirty="0"/>
           </a:p>
         </p:txBody>
       </p:sp>
@@ -14660,9 +14672,13 @@
           <a:p>
             <a:r>
               <a:rPr lang="en-US" dirty="0"/>
-              <a:t>Metric 3 vs Metric 2</a:t>
-            </a:r>
-            <a:endParaRPr lang="en-CA" dirty="0"/>
+              <a:t>Metric 3 vs Metric 2 </a:t>
+            </a:r>
+            <a:r>
+              <a:rPr lang="en-US" sz="2400" dirty="0"/>
+              <a:t>(Correlation : 0.9953)</a:t>
+            </a:r>
+            <a:endParaRPr lang="en-CA" sz="2400" dirty="0"/>
           </a:p>
         </p:txBody>
       </p:sp>
@@ -14754,9 +14770,13 @@
           <a:p>
             <a:r>
               <a:rPr lang="en-US" dirty="0"/>
-              <a:t>Metric 1 vs Metric 6</a:t>
-            </a:r>
-            <a:endParaRPr lang="en-CA" dirty="0"/>
+              <a:t>Metric 1 vs Metric 6 </a:t>
+            </a:r>
+            <a:r>
+              <a:rPr lang="en-US" sz="2400" dirty="0"/>
+              <a:t>(Correlation : -0.6427)</a:t>
+            </a:r>
+            <a:endParaRPr lang="en-CA" sz="2400" dirty="0"/>
           </a:p>
         </p:txBody>
       </p:sp>
@@ -14848,9 +14868,13 @@
           <a:p>
             <a:r>
               <a:rPr lang="en-US" dirty="0"/>
-              <a:t>Metric 2 vs Metric 6</a:t>
-            </a:r>
-            <a:endParaRPr lang="en-CA" dirty="0"/>
+              <a:t>Metric 2 vs Metric 6 </a:t>
+            </a:r>
+            <a:r>
+              <a:rPr lang="en-US" sz="2400" dirty="0"/>
+              <a:t>(Correlation : -0.7392)</a:t>
+            </a:r>
+            <a:endParaRPr lang="en-CA" sz="2400" dirty="0"/>
           </a:p>
         </p:txBody>
       </p:sp>
@@ -14953,6 +14977,15 @@
               <a:rPr lang="en-CA" dirty="0"/>
               <a:t>Apache Commons Logging</a:t>
             </a:r>
+            <a:r>
+              <a:rPr lang="en-US" dirty="0"/>
+              <a:t> </a:t>
+            </a:r>
+            <a:r>
+              <a:rPr lang="en-US" sz="2400" dirty="0"/>
+              <a:t>(Correlation : -0.1669)</a:t>
+            </a:r>
+            <a:endParaRPr lang="en-CA" sz="2400" dirty="0"/>
           </a:p>
         </p:txBody>
       </p:sp>
@@ -15060,6 +15093,15 @@
               <a:rPr lang="en-CA" dirty="0"/>
               <a:t>Apache Commons Math</a:t>
             </a:r>
+            <a:r>
+              <a:rPr lang="en-US" dirty="0"/>
+              <a:t> </a:t>
+            </a:r>
+            <a:r>
+              <a:rPr lang="en-US" sz="2400" dirty="0"/>
+              <a:t>(Correlation : -0.5)</a:t>
+            </a:r>
+            <a:endParaRPr lang="en-CA" sz="2400" dirty="0"/>
           </a:p>
         </p:txBody>
       </p:sp>
@@ -15167,6 +15209,15 @@
               <a:rPr lang="en-CA" dirty="0"/>
               <a:t>Apache Commons Lang</a:t>
             </a:r>
+            <a:r>
+              <a:rPr lang="en-US" dirty="0"/>
+              <a:t> </a:t>
+            </a:r>
+            <a:r>
+              <a:rPr lang="en-US" sz="2400" dirty="0"/>
+              <a:t>(Correlation : -0.07)</a:t>
+            </a:r>
+            <a:endParaRPr lang="en-CA" sz="2400" dirty="0"/>
           </a:p>
         </p:txBody>
       </p:sp>
@@ -15274,6 +15325,15 @@
               <a:rPr lang="en-CA" dirty="0"/>
               <a:t>Apache Commons Net</a:t>
             </a:r>
+            <a:r>
+              <a:rPr lang="en-US" dirty="0"/>
+              <a:t> </a:t>
+            </a:r>
+            <a:r>
+              <a:rPr lang="en-US" sz="2400" dirty="0"/>
+              <a:t>(Correlation : -0.1573)</a:t>
+            </a:r>
+            <a:endParaRPr lang="en-CA" sz="2400" dirty="0"/>
           </a:p>
         </p:txBody>
       </p:sp>
@@ -16607,7 +16667,7 @@
                     <a:lstStyle/>
                     <a:p>
                       <a:r>
-                        <a:rPr lang="en-US"/>
+                        <a:rPr lang="en-US" dirty="0"/>
                         <a:t>81.34%</a:t>
                       </a:r>
                       <a:endParaRPr lang="en-CA" dirty="0"/>
